--- a/powerpoint/teaching_and_viz/walking_template/TandV_Template_1.pptx
+++ b/powerpoint/teaching_and_viz/walking_template/TandV_Template_1.pptx
@@ -248,7 +248,7 @@
   </p:defaultTextStyle>
   <p:extLst>
     <p:ext uri="{EFAFB233-063F-42B5-8137-9DF3F51BA10A}">
-      <p15:sldGuideLst xmlns:p15="http://schemas.microsoft.com/office/powerpoint/2012/main" xmlns="">
+      <p15:sldGuideLst xmlns="" xmlns:p15="http://schemas.microsoft.com/office/powerpoint/2012/main">
         <p15:guide id="1" orient="horz" pos="1020">
           <p15:clr>
             <a:srgbClr val="A4A3A4"/>
@@ -844,11 +844,7 @@
           <a:p>
             <a:r>
               <a:rPr lang="en-US" baseline="0" dirty="0" err="1" smtClean="0"/>
-              <a:t>tcosborn@</a:t>
-            </a:r>
-            <a:r>
-              <a:rPr lang="en-US" baseline="0" dirty="0" err="1" smtClean="0"/>
-              <a:t>ncsu.edu</a:t>
+              <a:t>tcosborn@ncsu.edu</a:t>
             </a:r>
             <a:endParaRPr lang="en-US" dirty="0" smtClean="0"/>
           </a:p>
@@ -2618,7 +2614,21 @@
             </a:pPr>
             <a:r>
               <a:rPr lang="en-US" baseline="0" dirty="0" smtClean="0"/>
-              <a:t>**All previously stated rules about image resolution will apply no matter how you decide to size your image. If the resolution of the image is smaller than the resolution of the space your image occupies, it will appear grainy. </a:t>
+              <a:t>**All previously stated rules about image resolution will apply no matter how you decide to size your image. If the resolution of the image is smaller than the resolution of the space your image occupies, it will appear grainy</a:t>
+            </a:r>
+            <a:r>
+              <a:rPr lang="en-US" baseline="0" smtClean="0"/>
+              <a:t>. </a:t>
+            </a:r>
+            <a:endParaRPr lang="en-US" dirty="0" smtClean="0"/>
+          </a:p>
+          <a:p>
+            <a:pPr marL="228600" lvl="0" indent="-228600">
+              <a:buAutoNum type="arabicPeriod"/>
+            </a:pPr>
+            <a:r>
+              <a:rPr lang="en-US" baseline="0" dirty="0" smtClean="0"/>
+              <a:t> Slide transitions behave unpredictably and should not be used in presentations for this space. Slide animations, however, are appropriate.</a:t>
             </a:r>
             <a:endParaRPr lang="en-US" dirty="0" smtClean="0"/>
           </a:p>
